--- a/Robotic sorter/Presentazione_mec.pptx
+++ b/Robotic sorter/Presentazione_mec.pptx
@@ -6,12 +6,13 @@
   </p:sldMasterIdLst>
   <p:sldIdLst>
     <p:sldId id="256" r:id="rId2"/>
-    <p:sldId id="257" r:id="rId3"/>
-    <p:sldId id="261" r:id="rId4"/>
-    <p:sldId id="258" r:id="rId5"/>
-    <p:sldId id="262" r:id="rId6"/>
-    <p:sldId id="259" r:id="rId7"/>
-    <p:sldId id="260" r:id="rId8"/>
+    <p:sldId id="263" r:id="rId3"/>
+    <p:sldId id="257" r:id="rId4"/>
+    <p:sldId id="261" r:id="rId5"/>
+    <p:sldId id="258" r:id="rId6"/>
+    <p:sldId id="262" r:id="rId7"/>
+    <p:sldId id="259" r:id="rId8"/>
+    <p:sldId id="260" r:id="rId9"/>
   </p:sldIdLst>
   <p:sldSz cx="12192000" cy="6858000"/>
   <p:notesSz cx="6858000" cy="9144000"/>
@@ -110,6 +111,11 @@
       </a:defRPr>
     </a:lvl9pPr>
   </p:defaultTextStyle>
+  <p:extLst>
+    <p:ext uri="{EFAFB233-063F-42B5-8137-9DF3F51BA10A}">
+      <p15:sldGuideLst xmlns:p15="http://schemas.microsoft.com/office/powerpoint/2012/main"/>
+    </p:ext>
+  </p:extLst>
 </p:presentation>
 </file>
 
@@ -1451,7 +1457,7 @@
           <a:p>
             <a:fld id="{8482368B-4AA9-4D83-ADB1-1F6A078C9203}" type="slidenum">
               <a:rPr lang="it-IT" smtClean="0"/>
-              <a:t>‹#›</a:t>
+              <a:t>‹N›</a:t>
             </a:fld>
             <a:endParaRPr lang="it-IT"/>
           </a:p>
@@ -1651,7 +1657,7 @@
           <a:p>
             <a:fld id="{8482368B-4AA9-4D83-ADB1-1F6A078C9203}" type="slidenum">
               <a:rPr lang="it-IT" smtClean="0"/>
-              <a:t>‹#›</a:t>
+              <a:t>‹N›</a:t>
             </a:fld>
             <a:endParaRPr lang="it-IT"/>
           </a:p>
@@ -1861,7 +1867,7 @@
           <a:p>
             <a:fld id="{8482368B-4AA9-4D83-ADB1-1F6A078C9203}" type="slidenum">
               <a:rPr lang="it-IT" smtClean="0"/>
-              <a:t>‹#›</a:t>
+              <a:t>‹N›</a:t>
             </a:fld>
             <a:endParaRPr lang="it-IT"/>
           </a:p>
@@ -2061,7 +2067,7 @@
           <a:p>
             <a:fld id="{8482368B-4AA9-4D83-ADB1-1F6A078C9203}" type="slidenum">
               <a:rPr lang="it-IT" smtClean="0"/>
-              <a:t>‹#›</a:t>
+              <a:t>‹N›</a:t>
             </a:fld>
             <a:endParaRPr lang="it-IT"/>
           </a:p>
@@ -2337,7 +2343,7 @@
           <a:p>
             <a:fld id="{8482368B-4AA9-4D83-ADB1-1F6A078C9203}" type="slidenum">
               <a:rPr lang="it-IT" smtClean="0"/>
-              <a:t>‹#›</a:t>
+              <a:t>‹N›</a:t>
             </a:fld>
             <a:endParaRPr lang="it-IT"/>
           </a:p>
@@ -2605,7 +2611,7 @@
           <a:p>
             <a:fld id="{8482368B-4AA9-4D83-ADB1-1F6A078C9203}" type="slidenum">
               <a:rPr lang="it-IT" smtClean="0"/>
-              <a:t>‹#›</a:t>
+              <a:t>‹N›</a:t>
             </a:fld>
             <a:endParaRPr lang="it-IT"/>
           </a:p>
@@ -3020,7 +3026,7 @@
           <a:p>
             <a:fld id="{8482368B-4AA9-4D83-ADB1-1F6A078C9203}" type="slidenum">
               <a:rPr lang="it-IT" smtClean="0"/>
-              <a:t>‹#›</a:t>
+              <a:t>‹N›</a:t>
             </a:fld>
             <a:endParaRPr lang="it-IT"/>
           </a:p>
@@ -3162,7 +3168,7 @@
           <a:p>
             <a:fld id="{8482368B-4AA9-4D83-ADB1-1F6A078C9203}" type="slidenum">
               <a:rPr lang="it-IT" smtClean="0"/>
-              <a:t>‹#›</a:t>
+              <a:t>‹N›</a:t>
             </a:fld>
             <a:endParaRPr lang="it-IT"/>
           </a:p>
@@ -3275,7 +3281,7 @@
           <a:p>
             <a:fld id="{8482368B-4AA9-4D83-ADB1-1F6A078C9203}" type="slidenum">
               <a:rPr lang="it-IT" smtClean="0"/>
-              <a:t>‹#›</a:t>
+              <a:t>‹N›</a:t>
             </a:fld>
             <a:endParaRPr lang="it-IT"/>
           </a:p>
@@ -3588,7 +3594,7 @@
           <a:p>
             <a:fld id="{8482368B-4AA9-4D83-ADB1-1F6A078C9203}" type="slidenum">
               <a:rPr lang="it-IT" smtClean="0"/>
-              <a:t>‹#›</a:t>
+              <a:t>‹N›</a:t>
             </a:fld>
             <a:endParaRPr lang="it-IT"/>
           </a:p>
@@ -3877,7 +3883,7 @@
           <a:p>
             <a:fld id="{8482368B-4AA9-4D83-ADB1-1F6A078C9203}" type="slidenum">
               <a:rPr lang="it-IT" smtClean="0"/>
-              <a:t>‹#›</a:t>
+              <a:t>‹N›</a:t>
             </a:fld>
             <a:endParaRPr lang="it-IT"/>
           </a:p>
@@ -4156,7 +4162,7 @@
           <a:p>
             <a:fld id="{8482368B-4AA9-4D83-ADB1-1F6A078C9203}" type="slidenum">
               <a:rPr lang="it-IT" smtClean="0"/>
-              <a:t>‹#›</a:t>
+              <a:t>‹N›</a:t>
             </a:fld>
             <a:endParaRPr lang="it-IT"/>
           </a:p>
@@ -15132,6 +15138,331 @@
 <file path=ppt/slides/slide2.xml><?xml version="1.0" encoding="utf-8"?>
 <p:sld xmlns:a="http://schemas.openxmlformats.org/drawingml/2006/main" xmlns:r="http://schemas.openxmlformats.org/officeDocument/2006/relationships" xmlns:p="http://schemas.openxmlformats.org/presentationml/2006/main">
   <p:cSld>
+    <p:spTree>
+      <p:nvGrpSpPr>
+        <p:cNvPr id="1" name=""/>
+        <p:cNvGrpSpPr/>
+        <p:nvPr/>
+      </p:nvGrpSpPr>
+      <p:grpSpPr>
+        <a:xfrm>
+          <a:off x="0" y="0"/>
+          <a:ext cx="0" cy="0"/>
+          <a:chOff x="0" y="0"/>
+          <a:chExt cx="0" cy="0"/>
+        </a:xfrm>
+      </p:grpSpPr>
+      <p:sp>
+        <p:nvSpPr>
+          <p:cNvPr id="2" name="Titolo 1">
+            <a:extLst>
+              <a:ext uri="{FF2B5EF4-FFF2-40B4-BE49-F238E27FC236}">
+                <a16:creationId xmlns:a16="http://schemas.microsoft.com/office/drawing/2014/main" id="{1691DB27-B65B-F5CF-8FF6-4198DD57FC98}"/>
+              </a:ext>
+            </a:extLst>
+          </p:cNvPr>
+          <p:cNvSpPr>
+            <a:spLocks noGrp="1"/>
+          </p:cNvSpPr>
+          <p:nvPr>
+            <p:ph type="title"/>
+          </p:nvPr>
+        </p:nvSpPr>
+        <p:spPr/>
+        <p:txBody>
+          <a:bodyPr/>
+          <a:lstStyle/>
+          <a:p>
+            <a:r>
+              <a:rPr lang="it-IT" dirty="0"/>
+              <a:t>Hardware utilizzato</a:t>
+            </a:r>
+            <a:endParaRPr lang="en-GB" dirty="0"/>
+          </a:p>
+        </p:txBody>
+      </p:sp>
+      <p:graphicFrame>
+        <p:nvGraphicFramePr>
+          <p:cNvPr id="4" name="Segnaposto contenuto 3">
+            <a:extLst>
+              <a:ext uri="{FF2B5EF4-FFF2-40B4-BE49-F238E27FC236}">
+                <a16:creationId xmlns:a16="http://schemas.microsoft.com/office/drawing/2014/main" id="{EDE5A922-3CD1-6506-C743-0E8E0AF966B2}"/>
+              </a:ext>
+            </a:extLst>
+          </p:cNvPr>
+          <p:cNvGraphicFramePr>
+            <a:graphicFrameLocks noGrp="1"/>
+          </p:cNvGraphicFramePr>
+          <p:nvPr>
+            <p:ph idx="1"/>
+            <p:extLst>
+              <p:ext uri="{D42A27DB-BD31-4B8C-83A1-F6EECF244321}">
+                <p14:modId xmlns:p14="http://schemas.microsoft.com/office/powerpoint/2010/main" val="1318448190"/>
+              </p:ext>
+            </p:extLst>
+          </p:nvPr>
+        </p:nvGraphicFramePr>
+        <p:xfrm>
+          <a:off x="838199" y="1825625"/>
+          <a:ext cx="10095331" cy="1854200"/>
+        </p:xfrm>
+        <a:graphic>
+          <a:graphicData uri="http://schemas.openxmlformats.org/drawingml/2006/table">
+            <a:tbl>
+              <a:tblPr firstRow="1" bandRow="1">
+                <a:tableStyleId>{073A0DAA-6AF3-43AB-8588-CEC1D06C72B9}</a:tableStyleId>
+              </a:tblPr>
+              <a:tblGrid>
+                <a:gridCol w="3859241">
+                  <a:extLst>
+                    <a:ext uri="{9D8B030D-6E8A-4147-A177-3AD203B41FA5}">
+                      <a16:colId xmlns:a16="http://schemas.microsoft.com/office/drawing/2014/main" val="1501115211"/>
+                    </a:ext>
+                  </a:extLst>
+                </a:gridCol>
+                <a:gridCol w="6236090">
+                  <a:extLst>
+                    <a:ext uri="{9D8B030D-6E8A-4147-A177-3AD203B41FA5}">
+                      <a16:colId xmlns:a16="http://schemas.microsoft.com/office/drawing/2014/main" val="259246029"/>
+                    </a:ext>
+                  </a:extLst>
+                </a:gridCol>
+              </a:tblGrid>
+              <a:tr h="370840">
+                <a:tc>
+                  <a:txBody>
+                    <a:bodyPr/>
+                    <a:lstStyle/>
+                    <a:p>
+                      <a:r>
+                        <a:rPr lang="it-IT" dirty="0">
+                          <a:solidFill>
+                            <a:schemeClr val="tx1"/>
+                          </a:solidFill>
+                        </a:rPr>
+                        <a:t>Elemento</a:t>
+                      </a:r>
+                      <a:endParaRPr lang="en-GB" dirty="0">
+                        <a:solidFill>
+                          <a:schemeClr val="tx1"/>
+                        </a:solidFill>
+                      </a:endParaRPr>
+                    </a:p>
+                  </a:txBody>
+                  <a:tcPr>
+                    <a:noFill/>
+                  </a:tcPr>
+                </a:tc>
+                <a:tc>
+                  <a:txBody>
+                    <a:bodyPr/>
+                    <a:lstStyle/>
+                    <a:p>
+                      <a:r>
+                        <a:rPr lang="it-IT" dirty="0">
+                          <a:solidFill>
+                            <a:schemeClr val="tx1"/>
+                          </a:solidFill>
+                        </a:rPr>
+                        <a:t>Descrizione</a:t>
+                      </a:r>
+                      <a:endParaRPr lang="en-GB" dirty="0">
+                        <a:solidFill>
+                          <a:schemeClr val="tx1"/>
+                        </a:solidFill>
+                      </a:endParaRPr>
+                    </a:p>
+                  </a:txBody>
+                  <a:tcPr>
+                    <a:noFill/>
+                  </a:tcPr>
+                </a:tc>
+                <a:extLst>
+                  <a:ext uri="{0D108BD9-81ED-4DB2-BD59-A6C34878D82A}">
+                    <a16:rowId xmlns:a16="http://schemas.microsoft.com/office/drawing/2014/main" val="4102194311"/>
+                  </a:ext>
+                </a:extLst>
+              </a:tr>
+              <a:tr h="370840">
+                <a:tc>
+                  <a:txBody>
+                    <a:bodyPr/>
+                    <a:lstStyle/>
+                    <a:p>
+                      <a:r>
+                        <a:rPr lang="it-IT" dirty="0" err="1"/>
+                        <a:t>Thinkerkit</a:t>
+                      </a:r>
+                      <a:r>
+                        <a:rPr lang="it-IT" dirty="0"/>
+                        <a:t> braccio robot</a:t>
+                      </a:r>
+                      <a:endParaRPr lang="en-GB" dirty="0"/>
+                    </a:p>
+                  </a:txBody>
+                  <a:tcPr>
+                    <a:noFill/>
+                  </a:tcPr>
+                </a:tc>
+                <a:tc>
+                  <a:txBody>
+                    <a:bodyPr/>
+                    <a:lstStyle/>
+                    <a:p>
+                      <a:r>
+                        <a:rPr lang="it-IT" dirty="0"/>
+                        <a:t>Braccio robot 5 assi</a:t>
+                      </a:r>
+                      <a:endParaRPr lang="en-GB" dirty="0"/>
+                    </a:p>
+                  </a:txBody>
+                  <a:tcPr>
+                    <a:noFill/>
+                  </a:tcPr>
+                </a:tc>
+                <a:extLst>
+                  <a:ext uri="{0D108BD9-81ED-4DB2-BD59-A6C34878D82A}">
+                    <a16:rowId xmlns:a16="http://schemas.microsoft.com/office/drawing/2014/main" val="2948631931"/>
+                  </a:ext>
+                </a:extLst>
+              </a:tr>
+              <a:tr h="370840">
+                <a:tc>
+                  <a:txBody>
+                    <a:bodyPr/>
+                    <a:lstStyle/>
+                    <a:p>
+                      <a:r>
+                        <a:rPr lang="it-IT" dirty="0" err="1"/>
+                        <a:t>Taos</a:t>
+                      </a:r>
+                      <a:r>
+                        <a:rPr lang="it-IT" dirty="0"/>
+                        <a:t> TCS34725</a:t>
+                      </a:r>
+                      <a:endParaRPr lang="en-GB" dirty="0"/>
+                    </a:p>
+                  </a:txBody>
+                  <a:tcPr>
+                    <a:noFill/>
+                  </a:tcPr>
+                </a:tc>
+                <a:tc>
+                  <a:txBody>
+                    <a:bodyPr/>
+                    <a:lstStyle/>
+                    <a:p>
+                      <a:r>
+                        <a:rPr lang="it-IT" dirty="0"/>
+                        <a:t>Sensore di colore I2C</a:t>
+                      </a:r>
+                      <a:endParaRPr lang="en-GB" dirty="0"/>
+                    </a:p>
+                  </a:txBody>
+                  <a:tcPr>
+                    <a:noFill/>
+                  </a:tcPr>
+                </a:tc>
+                <a:extLst>
+                  <a:ext uri="{0D108BD9-81ED-4DB2-BD59-A6C34878D82A}">
+                    <a16:rowId xmlns:a16="http://schemas.microsoft.com/office/drawing/2014/main" val="4184510093"/>
+                  </a:ext>
+                </a:extLst>
+              </a:tr>
+              <a:tr h="370840">
+                <a:tc>
+                  <a:txBody>
+                    <a:bodyPr/>
+                    <a:lstStyle/>
+                    <a:p>
+                      <a:r>
+                        <a:rPr lang="it-IT" dirty="0"/>
+                        <a:t>NXP S32k142 </a:t>
+                      </a:r>
+                      <a:r>
+                        <a:rPr lang="it-IT" dirty="0" err="1"/>
+                        <a:t>evb</a:t>
+                      </a:r>
+                      <a:endParaRPr lang="en-GB" dirty="0"/>
+                    </a:p>
+                  </a:txBody>
+                  <a:tcPr>
+                    <a:noFill/>
+                  </a:tcPr>
+                </a:tc>
+                <a:tc>
+                  <a:txBody>
+                    <a:bodyPr/>
+                    <a:lstStyle/>
+                    <a:p>
+                      <a:endParaRPr lang="en-GB" dirty="0"/>
+                    </a:p>
+                  </a:txBody>
+                  <a:tcPr>
+                    <a:noFill/>
+                  </a:tcPr>
+                </a:tc>
+                <a:extLst>
+                  <a:ext uri="{0D108BD9-81ED-4DB2-BD59-A6C34878D82A}">
+                    <a16:rowId xmlns:a16="http://schemas.microsoft.com/office/drawing/2014/main" val="1922893043"/>
+                  </a:ext>
+                </a:extLst>
+              </a:tr>
+              <a:tr h="370840">
+                <a:tc>
+                  <a:txBody>
+                    <a:bodyPr/>
+                    <a:lstStyle/>
+                    <a:p>
+                      <a:r>
+                        <a:rPr lang="it-IT" dirty="0"/>
+                        <a:t>Cubetti colorati</a:t>
+                      </a:r>
+                      <a:endParaRPr lang="en-GB" dirty="0"/>
+                    </a:p>
+                  </a:txBody>
+                  <a:tcPr>
+                    <a:noFill/>
+                  </a:tcPr>
+                </a:tc>
+                <a:tc>
+                  <a:txBody>
+                    <a:bodyPr/>
+                    <a:lstStyle/>
+                    <a:p>
+                      <a:endParaRPr lang="en-GB" dirty="0"/>
+                    </a:p>
+                  </a:txBody>
+                  <a:tcPr>
+                    <a:noFill/>
+                  </a:tcPr>
+                </a:tc>
+                <a:extLst>
+                  <a:ext uri="{0D108BD9-81ED-4DB2-BD59-A6C34878D82A}">
+                    <a16:rowId xmlns:a16="http://schemas.microsoft.com/office/drawing/2014/main" val="1831070093"/>
+                  </a:ext>
+                </a:extLst>
+              </a:tr>
+            </a:tbl>
+          </a:graphicData>
+        </a:graphic>
+      </p:graphicFrame>
+    </p:spTree>
+    <p:extLst>
+      <p:ext uri="{BB962C8B-B14F-4D97-AF65-F5344CB8AC3E}">
+        <p14:creationId xmlns:p14="http://schemas.microsoft.com/office/powerpoint/2010/main" val="3074606849"/>
+      </p:ext>
+    </p:extLst>
+  </p:cSld>
+  <p:clrMapOvr>
+    <a:masterClrMapping/>
+  </p:clrMapOvr>
+</p:sld>
+</file>
+
+<file path=ppt/slides/slide3.xml><?xml version="1.0" encoding="utf-8"?>
+<p:sld xmlns:a="http://schemas.openxmlformats.org/drawingml/2006/main" xmlns:r="http://schemas.openxmlformats.org/officeDocument/2006/relationships" xmlns:p="http://schemas.openxmlformats.org/presentationml/2006/main">
+  <p:cSld>
     <p:bg>
       <p:bgPr>
         <a:solidFill>
@@ -15439,7 +15770,7 @@
 </p:sld>
 </file>
 
-<file path=ppt/slides/slide3.xml><?xml version="1.0" encoding="utf-8"?>
+<file path=ppt/slides/slide4.xml><?xml version="1.0" encoding="utf-8"?>
 <p:sld xmlns:a="http://schemas.openxmlformats.org/drawingml/2006/main" xmlns:r="http://schemas.openxmlformats.org/officeDocument/2006/relationships" xmlns:p="http://schemas.openxmlformats.org/presentationml/2006/main">
   <p:cSld>
     <p:bg>
@@ -15724,15 +16055,74 @@
             <p:ph idx="1"/>
           </p:nvPr>
         </p:nvSpPr>
-        <p:spPr/>
+        <p:spPr>
+          <a:xfrm>
+            <a:off x="838195" y="2273213"/>
+            <a:ext cx="10515600" cy="4351338"/>
+          </a:xfrm>
+        </p:spPr>
         <p:txBody>
           <a:bodyPr/>
           <a:lstStyle/>
           <a:p>
-            <a:endParaRPr lang="it-IT"/>
+            <a:r>
+              <a:rPr lang="it-IT" dirty="0"/>
+              <a:t>Tempo di integrazione: 154ms</a:t>
+            </a:r>
+          </a:p>
+          <a:p>
+            <a:r>
+              <a:rPr lang="it-IT" dirty="0"/>
+              <a:t>Guadagno: x60</a:t>
+            </a:r>
+          </a:p>
+          <a:p>
+            <a:r>
+              <a:rPr lang="it-IT" dirty="0" err="1"/>
+              <a:t>Voter</a:t>
+            </a:r>
+            <a:r>
+              <a:rPr lang="it-IT" dirty="0"/>
+              <a:t> 3 campionamenti</a:t>
+            </a:r>
           </a:p>
         </p:txBody>
       </p:sp>
+      <p:pic>
+        <p:nvPicPr>
+          <p:cNvPr id="5" name="Immagine 4" descr="Immagine che contiene nero, oscurità&#10;&#10;Descrizione generata automaticamente">
+            <a:extLst>
+              <a:ext uri="{FF2B5EF4-FFF2-40B4-BE49-F238E27FC236}">
+                <a16:creationId xmlns:a16="http://schemas.microsoft.com/office/drawing/2014/main" id="{F0824B21-3BE3-10E7-8E58-B43AE889338A}"/>
+              </a:ext>
+            </a:extLst>
+          </p:cNvPr>
+          <p:cNvPicPr>
+            <a:picLocks noChangeAspect="1"/>
+          </p:cNvPicPr>
+          <p:nvPr/>
+        </p:nvPicPr>
+        <p:blipFill>
+          <a:blip r:embed="rId2">
+            <a:extLst>
+              <a:ext uri="{28A0092B-C50C-407E-A947-70E740481C1C}">
+                <a14:useLocalDpi xmlns:a14="http://schemas.microsoft.com/office/drawing/2010/main" val="0"/>
+              </a:ext>
+            </a:extLst>
+          </a:blip>
+          <a:srcRect l="44542" t="45805" r="9848" b="12742"/>
+          <a:stretch/>
+        </p:blipFill>
+        <p:spPr>
+          <a:xfrm>
+            <a:off x="1719736" y="3932482"/>
+            <a:ext cx="8752527" cy="2611888"/>
+          </a:xfrm>
+          <a:prstGeom prst="rect">
+            <a:avLst/>
+          </a:prstGeom>
+        </p:spPr>
+      </p:pic>
     </p:spTree>
     <p:extLst>
       <p:ext uri="{BB962C8B-B14F-4D97-AF65-F5344CB8AC3E}">
@@ -15746,7 +16136,7 @@
 </p:sld>
 </file>
 
-<file path=ppt/slides/slide4.xml><?xml version="1.0" encoding="utf-8"?>
+<file path=ppt/slides/slide5.xml><?xml version="1.0" encoding="utf-8"?>
 <p:sld xmlns:a="http://schemas.openxmlformats.org/drawingml/2006/main" xmlns:r="http://schemas.openxmlformats.org/officeDocument/2006/relationships" xmlns:p="http://schemas.openxmlformats.org/presentationml/2006/main">
   <p:cSld>
     <p:bg>
@@ -17381,7 +17771,7 @@
 </p:sld>
 </file>
 
-<file path=ppt/slides/slide5.xml><?xml version="1.0" encoding="utf-8"?>
+<file path=ppt/slides/slide6.xml><?xml version="1.0" encoding="utf-8"?>
 <p:sld xmlns:a="http://schemas.openxmlformats.org/drawingml/2006/main" xmlns:r="http://schemas.openxmlformats.org/officeDocument/2006/relationships" xmlns:p="http://schemas.openxmlformats.org/presentationml/2006/main">
   <p:cSld>
     <p:bg>
@@ -17697,7 +18087,7 @@
 </p:sld>
 </file>
 
-<file path=ppt/slides/slide6.xml><?xml version="1.0" encoding="utf-8"?>
+<file path=ppt/slides/slide7.xml><?xml version="1.0" encoding="utf-8"?>
 <p:sld xmlns:a="http://schemas.openxmlformats.org/drawingml/2006/main" xmlns:r="http://schemas.openxmlformats.org/officeDocument/2006/relationships" xmlns:p="http://schemas.openxmlformats.org/presentationml/2006/main">
   <p:cSld>
     <p:bg>
@@ -17978,7 +18368,7 @@
         </p:nvSpPr>
         <p:spPr>
           <a:xfrm>
-            <a:off x="1155548" y="2217343"/>
+            <a:off x="1037742" y="2207225"/>
             <a:ext cx="9880893" cy="3959619"/>
           </a:xfrm>
         </p:spPr>
@@ -18013,7 +18403,7 @@
 </p:sld>
 </file>
 
-<file path=ppt/slides/slide7.xml><?xml version="1.0" encoding="utf-8"?>
+<file path=ppt/slides/slide8.xml><?xml version="1.0" encoding="utf-8"?>
 <p:sld xmlns:a="http://schemas.openxmlformats.org/drawingml/2006/main" xmlns:r="http://schemas.openxmlformats.org/officeDocument/2006/relationships" xmlns:p="http://schemas.openxmlformats.org/presentationml/2006/main">
   <p:cSld>
     <p:bg>
